--- a/project/Minh_Tran_Phase_Field.pptx
+++ b/project/Minh_Tran_Phase_Field.pptx
@@ -6,24 +6,25 @@
     <p:sldMasterId id="2147483751" r:id="rId2"/>
   </p:sldMasterIdLst>
   <p:notesMasterIdLst>
-    <p:notesMasterId r:id="rId15"/>
+    <p:notesMasterId r:id="rId16"/>
   </p:notesMasterIdLst>
   <p:handoutMasterIdLst>
-    <p:handoutMasterId r:id="rId16"/>
+    <p:handoutMasterId r:id="rId17"/>
   </p:handoutMasterIdLst>
   <p:sldIdLst>
     <p:sldId id="485" r:id="rId3"/>
     <p:sldId id="473" r:id="rId4"/>
     <p:sldId id="475" r:id="rId5"/>
-    <p:sldId id="476" r:id="rId6"/>
-    <p:sldId id="477" r:id="rId7"/>
-    <p:sldId id="478" r:id="rId8"/>
-    <p:sldId id="479" r:id="rId9"/>
-    <p:sldId id="480" r:id="rId10"/>
-    <p:sldId id="481" r:id="rId11"/>
-    <p:sldId id="482" r:id="rId12"/>
-    <p:sldId id="483" r:id="rId13"/>
-    <p:sldId id="484" r:id="rId14"/>
+    <p:sldId id="486" r:id="rId6"/>
+    <p:sldId id="476" r:id="rId7"/>
+    <p:sldId id="477" r:id="rId8"/>
+    <p:sldId id="478" r:id="rId9"/>
+    <p:sldId id="479" r:id="rId10"/>
+    <p:sldId id="480" r:id="rId11"/>
+    <p:sldId id="481" r:id="rId12"/>
+    <p:sldId id="482" r:id="rId13"/>
+    <p:sldId id="483" r:id="rId14"/>
+    <p:sldId id="484" r:id="rId15"/>
   </p:sldIdLst>
   <p:sldSz cx="9144000" cy="6858000" type="screen4x3"/>
   <p:notesSz cx="6858000" cy="9144000"/>
@@ -130,6 +131,7 @@
             <p14:sldId id="485"/>
             <p14:sldId id="473"/>
             <p14:sldId id="475"/>
+            <p14:sldId id="486"/>
             <p14:sldId id="476"/>
             <p14:sldId id="477"/>
             <p14:sldId id="478"/>
@@ -271,7 +273,7 @@
                 <a:latin typeface="Helvetica"/>
               </a:rPr>
               <a:pPr/>
-              <a:t>11/21/2020</a:t>
+              <a:t>11/23/2020</a:t>
             </a:fld>
             <a:endParaRPr lang="en-US" dirty="0">
               <a:latin typeface="Helvetica"/>
@@ -451,7 +453,7 @@
             <a:fld id="{A52773DA-E8B7-5045-88DC-00CB0D67DCEA}" type="datetimeFigureOut">
               <a:rPr lang="en-US" smtClean="0"/>
               <a:pPr/>
-              <a:t>11/21/2020</a:t>
+              <a:t>11/23/2020</a:t>
             </a:fld>
             <a:endParaRPr lang="en-US" dirty="0"/>
           </a:p>
@@ -812,6 +814,288 @@
 </p:notes>
 </file>
 
+<file path=ppt/notesSlides/notesSlide2.xml><?xml version="1.0" encoding="utf-8"?>
+<p:notes xmlns:a="http://schemas.openxmlformats.org/drawingml/2006/main" xmlns:r="http://schemas.openxmlformats.org/officeDocument/2006/relationships" xmlns:p="http://schemas.openxmlformats.org/presentationml/2006/main">
+  <p:cSld>
+    <p:spTree>
+      <p:nvGrpSpPr>
+        <p:cNvPr id="1" name=""/>
+        <p:cNvGrpSpPr/>
+        <p:nvPr/>
+      </p:nvGrpSpPr>
+      <p:grpSpPr>
+        <a:xfrm>
+          <a:off x="0" y="0"/>
+          <a:ext cx="0" cy="0"/>
+          <a:chOff x="0" y="0"/>
+          <a:chExt cx="0" cy="0"/>
+        </a:xfrm>
+      </p:grpSpPr>
+      <p:sp>
+        <p:nvSpPr>
+          <p:cNvPr id="2" name="Slide Image Placeholder 1"/>
+          <p:cNvSpPr>
+            <a:spLocks noGrp="1" noRot="1" noChangeAspect="1"/>
+          </p:cNvSpPr>
+          <p:nvPr>
+            <p:ph type="sldImg"/>
+          </p:nvPr>
+        </p:nvSpPr>
+        <p:spPr/>
+      </p:sp>
+      <p:sp>
+        <p:nvSpPr>
+          <p:cNvPr id="3" name="Notes Placeholder 2"/>
+          <p:cNvSpPr>
+            <a:spLocks noGrp="1"/>
+          </p:cNvSpPr>
+          <p:nvPr>
+            <p:ph type="body" idx="1"/>
+          </p:nvPr>
+        </p:nvSpPr>
+        <p:spPr/>
+        <p:txBody>
+          <a:bodyPr/>
+          <a:lstStyle/>
+          <a:p>
+            <a:r>
+              <a:rPr lang="en-US" sz="1200" b="0" i="0" kern="1200" dirty="0">
+                <a:solidFill>
+                  <a:schemeClr val="tx1"/>
+                </a:solidFill>
+                <a:effectLst/>
+                <a:latin typeface="Helvetica"/>
+                <a:ea typeface="+mn-ea"/>
+                <a:cs typeface="+mn-cs"/>
+              </a:rPr>
+              <a:t>The method substitutes boundary conditions at the interface by a partial differential equation for the evolution of an auxiliary field (the phase field) that takes the role of an </a:t>
+            </a:r>
+            <a:r>
+              <a:rPr lang="en-US" sz="1200" b="0" i="0" u="none" strike="noStrike" kern="1200" dirty="0">
+                <a:solidFill>
+                  <a:schemeClr val="tx1"/>
+                </a:solidFill>
+                <a:effectLst/>
+                <a:latin typeface="Helvetica"/>
+                <a:ea typeface="+mn-ea"/>
+                <a:cs typeface="+mn-cs"/>
+                <a:hlinkClick r:id="rId3" tooltip="Order parameter"/>
+              </a:rPr>
+              <a:t>order parameter</a:t>
+            </a:r>
+            <a:r>
+              <a:rPr lang="en-US" sz="1200" b="0" i="0" kern="1200" dirty="0">
+                <a:solidFill>
+                  <a:schemeClr val="tx1"/>
+                </a:solidFill>
+                <a:effectLst/>
+                <a:latin typeface="Helvetica"/>
+                <a:ea typeface="+mn-ea"/>
+                <a:cs typeface="+mn-cs"/>
+              </a:rPr>
+              <a:t>.</a:t>
+            </a:r>
+          </a:p>
+          <a:p>
+            <a:r>
+              <a:rPr lang="en-US" sz="1200" b="0" i="0" kern="1200" dirty="0">
+                <a:solidFill>
+                  <a:schemeClr val="tx1"/>
+                </a:solidFill>
+                <a:effectLst/>
+                <a:latin typeface="Helvetica"/>
+                <a:ea typeface="+mn-ea"/>
+                <a:cs typeface="+mn-cs"/>
+              </a:rPr>
+              <a:t>Important because </a:t>
+            </a:r>
+            <a:endParaRPr lang="en-US" dirty="0"/>
+          </a:p>
+        </p:txBody>
+      </p:sp>
+      <p:sp>
+        <p:nvSpPr>
+          <p:cNvPr id="4" name="Slide Number Placeholder 3"/>
+          <p:cNvSpPr>
+            <a:spLocks noGrp="1"/>
+          </p:cNvSpPr>
+          <p:nvPr>
+            <p:ph type="sldNum" sz="quarter" idx="5"/>
+          </p:nvPr>
+        </p:nvSpPr>
+        <p:spPr/>
+        <p:txBody>
+          <a:bodyPr/>
+          <a:lstStyle/>
+          <a:p>
+            <a:fld id="{79FF6478-74BA-0C41-A791-1817173126DF}" type="slidenum">
+              <a:rPr lang="en-US" smtClean="0"/>
+              <a:pPr/>
+              <a:t>3</a:t>
+            </a:fld>
+            <a:endParaRPr lang="en-US" dirty="0"/>
+          </a:p>
+        </p:txBody>
+      </p:sp>
+    </p:spTree>
+    <p:extLst>
+      <p:ext uri="{BB962C8B-B14F-4D97-AF65-F5344CB8AC3E}">
+        <p14:creationId xmlns:p14="http://schemas.microsoft.com/office/powerpoint/2010/main" val="2756284730"/>
+      </p:ext>
+    </p:extLst>
+  </p:cSld>
+  <p:clrMapOvr>
+    <a:masterClrMapping/>
+  </p:clrMapOvr>
+</p:notes>
+</file>
+
+<file path=ppt/notesSlides/notesSlide3.xml><?xml version="1.0" encoding="utf-8"?>
+<p:notes xmlns:a="http://schemas.openxmlformats.org/drawingml/2006/main" xmlns:r="http://schemas.openxmlformats.org/officeDocument/2006/relationships" xmlns:p="http://schemas.openxmlformats.org/presentationml/2006/main">
+  <p:cSld>
+    <p:spTree>
+      <p:nvGrpSpPr>
+        <p:cNvPr id="1" name=""/>
+        <p:cNvGrpSpPr/>
+        <p:nvPr/>
+      </p:nvGrpSpPr>
+      <p:grpSpPr>
+        <a:xfrm>
+          <a:off x="0" y="0"/>
+          <a:ext cx="0" cy="0"/>
+          <a:chOff x="0" y="0"/>
+          <a:chExt cx="0" cy="0"/>
+        </a:xfrm>
+      </p:grpSpPr>
+      <p:sp>
+        <p:nvSpPr>
+          <p:cNvPr id="2" name="Slide Image Placeholder 1"/>
+          <p:cNvSpPr>
+            <a:spLocks noGrp="1" noRot="1" noChangeAspect="1"/>
+          </p:cNvSpPr>
+          <p:nvPr>
+            <p:ph type="sldImg"/>
+          </p:nvPr>
+        </p:nvSpPr>
+        <p:spPr/>
+      </p:sp>
+      <p:sp>
+        <p:nvSpPr>
+          <p:cNvPr id="3" name="Notes Placeholder 2"/>
+          <p:cNvSpPr>
+            <a:spLocks noGrp="1"/>
+          </p:cNvSpPr>
+          <p:nvPr>
+            <p:ph type="body" idx="1"/>
+          </p:nvPr>
+        </p:nvSpPr>
+        <p:spPr/>
+        <p:txBody>
+          <a:bodyPr/>
+          <a:lstStyle/>
+          <a:p>
+            <a:r>
+              <a:rPr lang="en-US" sz="1200" b="0" i="0" kern="1200" dirty="0">
+                <a:solidFill>
+                  <a:schemeClr val="tx1"/>
+                </a:solidFill>
+                <a:effectLst/>
+                <a:latin typeface="Helvetica"/>
+                <a:ea typeface="+mn-ea"/>
+                <a:cs typeface="+mn-cs"/>
+              </a:rPr>
+              <a:t>To resolve high gradient of phase field variable</a:t>
+            </a:r>
+          </a:p>
+          <a:p>
+            <a:endParaRPr lang="en-US" sz="1200" b="0" i="0" kern="1200" dirty="0">
+              <a:solidFill>
+                <a:schemeClr val="tx1"/>
+              </a:solidFill>
+              <a:effectLst/>
+              <a:latin typeface="Helvetica"/>
+              <a:ea typeface="+mn-ea"/>
+              <a:cs typeface="+mn-cs"/>
+            </a:endParaRPr>
+          </a:p>
+          <a:p>
+            <a:r>
+              <a:rPr lang="en-US" sz="1200" b="0" i="0" kern="1200" dirty="0">
+                <a:solidFill>
+                  <a:schemeClr val="tx1"/>
+                </a:solidFill>
+                <a:effectLst/>
+                <a:latin typeface="Helvetica"/>
+                <a:ea typeface="+mn-ea"/>
+                <a:cs typeface="+mn-cs"/>
+              </a:rPr>
+              <a:t>d. Simulations of coupled poromechanical or </a:t>
+            </a:r>
+            <a:r>
+              <a:rPr lang="en-US" sz="1200" b="0" i="0" kern="1200" dirty="0" err="1">
+                <a:solidFill>
+                  <a:schemeClr val="tx1"/>
+                </a:solidFill>
+                <a:effectLst/>
+                <a:latin typeface="Helvetica"/>
+                <a:ea typeface="+mn-ea"/>
+                <a:cs typeface="+mn-cs"/>
+              </a:rPr>
+              <a:t>thermoporomechanical</a:t>
+            </a:r>
+            <a:r>
+              <a:rPr lang="en-US" sz="1200" b="0" i="0" kern="1200" dirty="0">
+                <a:solidFill>
+                  <a:schemeClr val="tx1"/>
+                </a:solidFill>
+                <a:effectLst/>
+                <a:latin typeface="Helvetica"/>
+                <a:ea typeface="+mn-ea"/>
+                <a:cs typeface="+mn-cs"/>
+              </a:rPr>
+              <a:t> processes in field scales with high resolution usually require parallel computing capabilities. The flow models, the geomechanics model, and the thermodynamics model are modularized in the Integrated Parallel Accurate Reservoir Simulator (IPARS) which has been developed at the Center for Subsurface Modeling at the University of Texas at Austin. The IPARS framework handles structured (logically rectangular) grids and was originally designed for element-based data communication, such as the pressure data in the flow models. To parallelize the node-based geomechanics model, we enhance the capabilities of the IPARS framework for node-based data communication. Because the geomechanics linear system is more costly to solve than those of flow and thermodynamics models, the performance of linear solvers for the geomechanics model largely dictates the speed and scalability of the coupled simulator.</a:t>
+            </a:r>
+            <a:endParaRPr lang="en-US" dirty="0"/>
+          </a:p>
+        </p:txBody>
+      </p:sp>
+      <p:sp>
+        <p:nvSpPr>
+          <p:cNvPr id="4" name="Slide Number Placeholder 3"/>
+          <p:cNvSpPr>
+            <a:spLocks noGrp="1"/>
+          </p:cNvSpPr>
+          <p:nvPr>
+            <p:ph type="sldNum" sz="quarter" idx="5"/>
+          </p:nvPr>
+        </p:nvSpPr>
+        <p:spPr/>
+        <p:txBody>
+          <a:bodyPr/>
+          <a:lstStyle/>
+          <a:p>
+            <a:fld id="{79FF6478-74BA-0C41-A791-1817173126DF}" type="slidenum">
+              <a:rPr lang="en-US" smtClean="0"/>
+              <a:pPr/>
+              <a:t>4</a:t>
+            </a:fld>
+            <a:endParaRPr lang="en-US" dirty="0"/>
+          </a:p>
+        </p:txBody>
+      </p:sp>
+    </p:spTree>
+    <p:extLst>
+      <p:ext uri="{BB962C8B-B14F-4D97-AF65-F5344CB8AC3E}">
+        <p14:creationId xmlns:p14="http://schemas.microsoft.com/office/powerpoint/2010/main" val="3385750423"/>
+      </p:ext>
+    </p:extLst>
+  </p:cSld>
+  <p:clrMapOvr>
+    <a:masterClrMapping/>
+  </p:clrMapOvr>
+</p:notes>
+</file>
+
 <file path=ppt/slideLayouts/slideLayout1.xml><?xml version="1.0" encoding="utf-8"?>
 <p:sldLayout xmlns:a="http://schemas.openxmlformats.org/drawingml/2006/main" xmlns:r="http://schemas.openxmlformats.org/officeDocument/2006/relationships" xmlns:p="http://schemas.openxmlformats.org/presentationml/2006/main" preserve="1" userDrawn="1">
   <p:cSld name="Title Slide">
@@ -935,7 +1219,7 @@
             <a:fld id="{A2EDC84E-C627-4642-9DC6-F26C7C2EB04E}" type="datetime1">
               <a:rPr lang="en-US" smtClean="0"/>
               <a:pPr/>
-              <a:t>11/21/2020</a:t>
+              <a:t>11/23/2020</a:t>
             </a:fld>
             <a:endParaRPr lang="en-US" dirty="0"/>
           </a:p>
@@ -7899,7 +8183,7 @@
           <p:nvPr/>
         </p:nvPicPr>
         <mc:AlternateContent xmlns:mc="http://schemas.openxmlformats.org/markup-compatibility/2006">
-          <mc:Choice xmlns="" xmlns:mv="urn:schemas-microsoft-com:mac:vml" xmlns:ma="http://schemas.microsoft.com/office/mac/drawingml/2008/main" Requires="ma">
+          <mc:Choice xmlns:ma="http://schemas.microsoft.com/office/mac/drawingml/2008/main" xmlns:mv="urn:schemas-microsoft-com:mac:vml" xmlns="" Requires="ma">
             <p:blipFill>
               <a:blip r:embed="rId9"/>
               <a:stretch>
@@ -7935,7 +8219,7 @@
           <p:nvPr/>
         </p:nvPicPr>
         <mc:AlternateContent xmlns:mc="http://schemas.openxmlformats.org/markup-compatibility/2006">
-          <mc:Choice xmlns="" xmlns:mv="urn:schemas-microsoft-com:mac:vml" xmlns:ma="http://schemas.microsoft.com/office/mac/drawingml/2008/main" Requires="ma">
+          <mc:Choice xmlns:ma="http://schemas.microsoft.com/office/mac/drawingml/2008/main" xmlns:mv="urn:schemas-microsoft-com:mac:vml" xmlns="" Requires="ma">
             <p:blipFill>
               <a:blip r:embed="rId11"/>
               <a:stretch>
@@ -7971,7 +8255,7 @@
           <p:nvPr/>
         </p:nvPicPr>
         <mc:AlternateContent xmlns:mc="http://schemas.openxmlformats.org/markup-compatibility/2006">
-          <mc:Choice xmlns="" xmlns:mv="urn:schemas-microsoft-com:mac:vml" xmlns:ma="http://schemas.microsoft.com/office/mac/drawingml/2008/main" Requires="ma">
+          <mc:Choice xmlns:ma="http://schemas.microsoft.com/office/mac/drawingml/2008/main" xmlns:mv="urn:schemas-microsoft-com:mac:vml" xmlns="" Requires="ma">
             <p:blipFill>
               <a:blip r:embed="rId13"/>
               <a:stretch>
@@ -8429,7 +8713,7 @@
 </file>
 
 <file path=ppt/slides/slide10.xml><?xml version="1.0" encoding="utf-8"?>
-<p:sld xmlns:a="http://schemas.openxmlformats.org/drawingml/2006/main" xmlns:r="http://schemas.openxmlformats.org/officeDocument/2006/relationships" xmlns:p="http://schemas.openxmlformats.org/presentationml/2006/main">
+<p:sld xmlns:a="http://schemas.openxmlformats.org/drawingml/2006/main" xmlns:r="http://schemas.openxmlformats.org/officeDocument/2006/relationships" xmlns:p="http://schemas.openxmlformats.org/presentationml/2006/main" show="0">
   <p:cSld>
     <p:spTree>
       <p:nvGrpSpPr>
@@ -8475,7 +8759,7 @@
           <a:p>
             <a:r>
               <a:rPr lang="en-US" dirty="0"/>
-              <a:t>How can progress be measured?</a:t>
+              <a:t>What are other applications of your work?</a:t>
             </a:r>
           </a:p>
         </p:txBody>
@@ -8645,15 +8929,19 @@
           <a:p>
             <a:r>
               <a:rPr lang="en-US" dirty="0"/>
-              <a:t>How can anyone tell when you are succeeded</a:t>
-            </a:r>
+              <a:t>What are the potential spin-off</a:t>
+            </a:r>
+          </a:p>
+          <a:p>
+            <a:pPr lvl="1"/>
+            <a:endParaRPr lang="en-US" dirty="0"/>
           </a:p>
         </p:txBody>
       </p:sp>
     </p:spTree>
     <p:extLst>
       <p:ext uri="{BB962C8B-B14F-4D97-AF65-F5344CB8AC3E}">
-        <p14:creationId xmlns:p14="http://schemas.microsoft.com/office/powerpoint/2010/main" val="3763381213"/>
+        <p14:creationId xmlns:p14="http://schemas.microsoft.com/office/powerpoint/2010/main" val="3629745302"/>
       </p:ext>
     </p:extLst>
   </p:cSld>
@@ -8664,7 +8952,7 @@
 </file>
 
 <file path=ppt/slides/slide11.xml><?xml version="1.0" encoding="utf-8"?>
-<p:sld xmlns:a="http://schemas.openxmlformats.org/drawingml/2006/main" xmlns:r="http://schemas.openxmlformats.org/officeDocument/2006/relationships" xmlns:p="http://schemas.openxmlformats.org/presentationml/2006/main">
+<p:sld xmlns:a="http://schemas.openxmlformats.org/drawingml/2006/main" xmlns:r="http://schemas.openxmlformats.org/officeDocument/2006/relationships" xmlns:p="http://schemas.openxmlformats.org/presentationml/2006/main" show="0">
   <p:cSld>
     <p:spTree>
       <p:nvGrpSpPr>
@@ -8710,7 +8998,7 @@
           <a:p>
             <a:r>
               <a:rPr lang="en-US" dirty="0"/>
-              <a:t>What have you accomplished thus far?</a:t>
+              <a:t>How can progress be measured?</a:t>
             </a:r>
           </a:p>
         </p:txBody>
@@ -8880,19 +9168,15 @@
           <a:p>
             <a:r>
               <a:rPr lang="en-US" dirty="0"/>
-              <a:t>a</a:t>
-            </a:r>
-          </a:p>
-          <a:p>
-            <a:pPr lvl="1"/>
-            <a:endParaRPr lang="en-US" dirty="0"/>
+              <a:t>How can anyone tell when you are succeeded</a:t>
+            </a:r>
           </a:p>
         </p:txBody>
       </p:sp>
     </p:spTree>
     <p:extLst>
       <p:ext uri="{BB962C8B-B14F-4D97-AF65-F5344CB8AC3E}">
-        <p14:creationId xmlns:p14="http://schemas.microsoft.com/office/powerpoint/2010/main" val="1421978614"/>
+        <p14:creationId xmlns:p14="http://schemas.microsoft.com/office/powerpoint/2010/main" val="3763381213"/>
       </p:ext>
     </p:extLst>
   </p:cSld>
@@ -8903,7 +9187,7 @@
 </file>
 
 <file path=ppt/slides/slide12.xml><?xml version="1.0" encoding="utf-8"?>
-<p:sld xmlns:a="http://schemas.openxmlformats.org/drawingml/2006/main" xmlns:r="http://schemas.openxmlformats.org/officeDocument/2006/relationships" xmlns:p="http://schemas.openxmlformats.org/presentationml/2006/main">
+<p:sld xmlns:a="http://schemas.openxmlformats.org/drawingml/2006/main" xmlns:r="http://schemas.openxmlformats.org/officeDocument/2006/relationships" xmlns:p="http://schemas.openxmlformats.org/presentationml/2006/main" show="0">
   <p:cSld>
     <p:spTree>
       <p:nvGrpSpPr>
@@ -8949,6 +9233,245 @@
           <a:p>
             <a:r>
               <a:rPr lang="en-US" dirty="0"/>
+              <a:t>What have you accomplished thus far?</a:t>
+            </a:r>
+          </a:p>
+        </p:txBody>
+      </p:sp>
+      <p:sp>
+        <p:nvSpPr>
+          <p:cNvPr id="3" name="Text Placeholder 2">
+            <a:extLst>
+              <a:ext uri="{FF2B5EF4-FFF2-40B4-BE49-F238E27FC236}">
+                <a16:creationId xmlns:a16="http://schemas.microsoft.com/office/drawing/2014/main" id="{E921275B-7A46-40BA-8626-E2064C1E8CC1}"/>
+              </a:ext>
+            </a:extLst>
+          </p:cNvPr>
+          <p:cNvSpPr txBox="1">
+            <a:spLocks/>
+          </p:cNvSpPr>
+          <p:nvPr/>
+        </p:nvSpPr>
+        <p:spPr>
+          <a:xfrm>
+            <a:off x="457201" y="905070"/>
+            <a:ext cx="8229602" cy="5486399"/>
+          </a:xfrm>
+          <a:prstGeom prst="rect">
+            <a:avLst/>
+          </a:prstGeom>
+        </p:spPr>
+        <p:txBody>
+          <a:bodyPr/>
+          <a:lstStyle>
+            <a:lvl1pPr marL="342900" indent="-342900" algn="l" defTabSz="457200" rtl="0" eaLnBrk="1" latinLnBrk="0" hangingPunct="1">
+              <a:spcBef>
+                <a:spcPct val="20000"/>
+              </a:spcBef>
+              <a:buFont typeface="Lucida Grande"/>
+              <a:buChar char="›"/>
+              <a:defRPr sz="2000" b="0" i="0" kern="1200" cap="none" baseline="0">
+                <a:solidFill>
+                  <a:schemeClr val="tx1"/>
+                </a:solidFill>
+                <a:latin typeface="Helvetica Light"/>
+                <a:ea typeface="+mn-ea"/>
+                <a:cs typeface="Helvetica Light"/>
+              </a:defRPr>
+            </a:lvl1pPr>
+            <a:lvl2pPr marL="742950" indent="-285750" algn="l" defTabSz="457200" rtl="0" eaLnBrk="1" latinLnBrk="0" hangingPunct="1">
+              <a:spcBef>
+                <a:spcPct val="20000"/>
+              </a:spcBef>
+              <a:buFont typeface="Lucida Grande"/>
+              <a:buChar char="»"/>
+              <a:defRPr sz="2000" b="0" i="0" kern="1200" cap="none" baseline="0">
+                <a:solidFill>
+                  <a:schemeClr val="tx1"/>
+                </a:solidFill>
+                <a:latin typeface="Helvetica Light"/>
+                <a:ea typeface="+mn-ea"/>
+                <a:cs typeface="Helvetica Light"/>
+              </a:defRPr>
+            </a:lvl2pPr>
+            <a:lvl3pPr marL="1143000" indent="-228600" algn="l" defTabSz="457200" rtl="0" eaLnBrk="1" latinLnBrk="0" hangingPunct="1">
+              <a:spcBef>
+                <a:spcPct val="20000"/>
+              </a:spcBef>
+              <a:buFont typeface="Lucida Grande"/>
+              <a:buChar char="»"/>
+              <a:defRPr sz="2000" b="0" i="0" kern="1200" cap="none" baseline="0">
+                <a:solidFill>
+                  <a:schemeClr val="tx1"/>
+                </a:solidFill>
+                <a:latin typeface="Helvetica Light"/>
+                <a:ea typeface="+mn-ea"/>
+                <a:cs typeface="Helvetica Light"/>
+              </a:defRPr>
+            </a:lvl3pPr>
+            <a:lvl4pPr marL="1600200" indent="-228600" algn="l" defTabSz="457200" rtl="0" eaLnBrk="1" latinLnBrk="0" hangingPunct="1">
+              <a:spcBef>
+                <a:spcPct val="20000"/>
+              </a:spcBef>
+              <a:buFont typeface="Lucida Grande"/>
+              <a:buChar char="»"/>
+              <a:defRPr sz="2000" b="0" i="0" kern="1200" cap="none" baseline="0">
+                <a:solidFill>
+                  <a:schemeClr val="tx1"/>
+                </a:solidFill>
+                <a:latin typeface="Helvetica Light"/>
+                <a:ea typeface="+mn-ea"/>
+                <a:cs typeface="Helvetica Light"/>
+              </a:defRPr>
+            </a:lvl4pPr>
+            <a:lvl5pPr marL="2057400" indent="-228600" algn="l" defTabSz="457200" rtl="0" eaLnBrk="1" latinLnBrk="0" hangingPunct="1">
+              <a:spcBef>
+                <a:spcPct val="20000"/>
+              </a:spcBef>
+              <a:buFont typeface="Lucida Grande"/>
+              <a:buChar char="»"/>
+              <a:defRPr sz="2000" b="0" i="0" kern="1200" cap="none" baseline="0">
+                <a:solidFill>
+                  <a:schemeClr val="tx1"/>
+                </a:solidFill>
+                <a:latin typeface="Helvetica Light"/>
+                <a:ea typeface="+mn-ea"/>
+                <a:cs typeface="Helvetica Light"/>
+              </a:defRPr>
+            </a:lvl5pPr>
+            <a:lvl6pPr marL="2514600" indent="-228600" algn="l" defTabSz="457200" rtl="0" eaLnBrk="1" latinLnBrk="0" hangingPunct="1">
+              <a:spcBef>
+                <a:spcPct val="20000"/>
+              </a:spcBef>
+              <a:buFont typeface="Arial"/>
+              <a:buChar char="•"/>
+              <a:defRPr sz="2000" kern="1200">
+                <a:solidFill>
+                  <a:schemeClr val="tx1"/>
+                </a:solidFill>
+                <a:latin typeface="+mn-lt"/>
+                <a:ea typeface="+mn-ea"/>
+                <a:cs typeface="+mn-cs"/>
+              </a:defRPr>
+            </a:lvl6pPr>
+            <a:lvl7pPr marL="2971800" indent="-228600" algn="l" defTabSz="457200" rtl="0" eaLnBrk="1" latinLnBrk="0" hangingPunct="1">
+              <a:spcBef>
+                <a:spcPct val="20000"/>
+              </a:spcBef>
+              <a:buFont typeface="Arial"/>
+              <a:buChar char="•"/>
+              <a:defRPr sz="2000" kern="1200">
+                <a:solidFill>
+                  <a:schemeClr val="tx1"/>
+                </a:solidFill>
+                <a:latin typeface="+mn-lt"/>
+                <a:ea typeface="+mn-ea"/>
+                <a:cs typeface="+mn-cs"/>
+              </a:defRPr>
+            </a:lvl7pPr>
+            <a:lvl8pPr marL="3429000" indent="-228600" algn="l" defTabSz="457200" rtl="0" eaLnBrk="1" latinLnBrk="0" hangingPunct="1">
+              <a:spcBef>
+                <a:spcPct val="20000"/>
+              </a:spcBef>
+              <a:buFont typeface="Arial"/>
+              <a:buChar char="•"/>
+              <a:defRPr sz="2000" kern="1200">
+                <a:solidFill>
+                  <a:schemeClr val="tx1"/>
+                </a:solidFill>
+                <a:latin typeface="+mn-lt"/>
+                <a:ea typeface="+mn-ea"/>
+                <a:cs typeface="+mn-cs"/>
+              </a:defRPr>
+            </a:lvl8pPr>
+            <a:lvl9pPr marL="3886200" indent="-228600" algn="l" defTabSz="457200" rtl="0" eaLnBrk="1" latinLnBrk="0" hangingPunct="1">
+              <a:spcBef>
+                <a:spcPct val="20000"/>
+              </a:spcBef>
+              <a:buFont typeface="Arial"/>
+              <a:buChar char="•"/>
+              <a:defRPr sz="2000" kern="1200">
+                <a:solidFill>
+                  <a:schemeClr val="tx1"/>
+                </a:solidFill>
+                <a:latin typeface="+mn-lt"/>
+                <a:ea typeface="+mn-ea"/>
+                <a:cs typeface="+mn-cs"/>
+              </a:defRPr>
+            </a:lvl9pPr>
+          </a:lstStyle>
+          <a:p>
+            <a:r>
+              <a:rPr lang="en-US" dirty="0"/>
+              <a:t>a</a:t>
+            </a:r>
+          </a:p>
+          <a:p>
+            <a:pPr lvl="1"/>
+            <a:endParaRPr lang="en-US" dirty="0"/>
+          </a:p>
+        </p:txBody>
+      </p:sp>
+    </p:spTree>
+    <p:extLst>
+      <p:ext uri="{BB962C8B-B14F-4D97-AF65-F5344CB8AC3E}">
+        <p14:creationId xmlns:p14="http://schemas.microsoft.com/office/powerpoint/2010/main" val="1421978614"/>
+      </p:ext>
+    </p:extLst>
+  </p:cSld>
+  <p:clrMapOvr>
+    <a:masterClrMapping/>
+  </p:clrMapOvr>
+</p:sld>
+</file>
+
+<file path=ppt/slides/slide13.xml><?xml version="1.0" encoding="utf-8"?>
+<p:sld xmlns:a="http://schemas.openxmlformats.org/drawingml/2006/main" xmlns:r="http://schemas.openxmlformats.org/officeDocument/2006/relationships" xmlns:p="http://schemas.openxmlformats.org/presentationml/2006/main" show="0">
+  <p:cSld>
+    <p:spTree>
+      <p:nvGrpSpPr>
+        <p:cNvPr id="1" name=""/>
+        <p:cNvGrpSpPr/>
+        <p:nvPr/>
+      </p:nvGrpSpPr>
+      <p:grpSpPr>
+        <a:xfrm>
+          <a:off x="0" y="0"/>
+          <a:ext cx="0" cy="0"/>
+          <a:chOff x="0" y="0"/>
+          <a:chExt cx="0" cy="0"/>
+        </a:xfrm>
+      </p:grpSpPr>
+      <p:sp>
+        <p:nvSpPr>
+          <p:cNvPr id="2" name="Title 1">
+            <a:extLst>
+              <a:ext uri="{FF2B5EF4-FFF2-40B4-BE49-F238E27FC236}">
+                <a16:creationId xmlns:a16="http://schemas.microsoft.com/office/drawing/2014/main" id="{D1D0900B-519B-476B-B485-1C4F7A5D0B47}"/>
+              </a:ext>
+            </a:extLst>
+          </p:cNvPr>
+          <p:cNvSpPr>
+            <a:spLocks noGrp="1"/>
+          </p:cNvSpPr>
+          <p:nvPr>
+            <p:ph type="title"/>
+          </p:nvPr>
+        </p:nvSpPr>
+        <p:spPr>
+          <a:xfrm>
+            <a:off x="2258007" y="214029"/>
+            <a:ext cx="5952931" cy="521370"/>
+          </a:xfrm>
+        </p:spPr>
+        <p:txBody>
+          <a:bodyPr>
+            <a:normAutofit fontScale="90000"/>
+          </a:bodyPr>
+          <a:lstStyle/>
+          <a:p>
+            <a:r>
+              <a:rPr lang="en-US" dirty="0"/>
               <a:t>What is your schedule for the work remaining</a:t>
             </a:r>
           </a:p>
@@ -9142,7 +9665,7 @@
 </file>
 
 <file path=ppt/slides/slide2.xml><?xml version="1.0" encoding="utf-8"?>
-<p:sld xmlns:a="http://schemas.openxmlformats.org/drawingml/2006/main" xmlns:r="http://schemas.openxmlformats.org/officeDocument/2006/relationships" xmlns:p="http://schemas.openxmlformats.org/presentationml/2006/main">
+<p:sld xmlns:a="http://schemas.openxmlformats.org/drawingml/2006/main" xmlns:r="http://schemas.openxmlformats.org/officeDocument/2006/relationships" xmlns:p="http://schemas.openxmlformats.org/presentationml/2006/main" show="0">
   <p:cSld>
     <p:spTree>
       <p:nvGrpSpPr>
@@ -9334,7 +9857,7 @@
           <a:p>
             <a:r>
               <a:rPr lang="en-US" dirty="0"/>
-              <a:t>What are my main goals?</a:t>
+              <a:t>Phase Field Modeling</a:t>
             </a:r>
           </a:p>
         </p:txBody>
@@ -9355,8 +9878,8 @@
         </p:nvSpPr>
         <p:spPr>
           <a:xfrm>
-            <a:off x="457201" y="905070"/>
-            <a:ext cx="8229602" cy="5486399"/>
+            <a:off x="457201" y="905071"/>
+            <a:ext cx="4143079" cy="2523930"/>
           </a:xfrm>
           <a:prstGeom prst="rect">
             <a:avLst/>
@@ -9503,26 +10026,172 @@
           </a:lstStyle>
           <a:p>
             <a:r>
+              <a:rPr lang="en-US" b="1" dirty="0"/>
+              <a:t>Numerical representation of fracture </a:t>
+            </a:r>
+            <a:r>
               <a:rPr lang="en-US" dirty="0"/>
-              <a:t>Main goals of my work</a:t>
+              <a:t>using a continuous auxiliary field</a:t>
             </a:r>
           </a:p>
           <a:p>
             <a:pPr lvl="1"/>
             <a:r>
-              <a:rPr lang="en-US" dirty="0" err="1"/>
-              <a:t>Matlab</a:t>
-            </a:r>
-            <a:r>
               <a:rPr lang="en-US" dirty="0"/>
-              <a:t> parallelization of my coupled code</a:t>
+              <a:t>Naturally incorporate </a:t>
+            </a:r>
+            <a:r>
+              <a:rPr lang="en-US" b="1" dirty="0"/>
+              <a:t>multi-field physics</a:t>
+            </a:r>
+            <a:r>
+              <a:rPr lang="en-US" dirty="0"/>
+              <a:t>: process coupling, crack nucleation, growth, branching…</a:t>
             </a:r>
           </a:p>
           <a:p>
             <a:pPr lvl="1"/>
             <a:r>
               <a:rPr lang="en-US" dirty="0"/>
-              <a:t>Phase field modeling</a:t>
+              <a:t>Easier computational implementation compared to discrete fracture modeling</a:t>
+            </a:r>
+          </a:p>
+          <a:p>
+            <a:pPr lvl="1"/>
+            <a:endParaRPr lang="en-US" dirty="0"/>
+          </a:p>
+          <a:p>
+            <a:endParaRPr lang="en-US" dirty="0"/>
+          </a:p>
+        </p:txBody>
+      </p:sp>
+      <p:pic>
+        <p:nvPicPr>
+          <p:cNvPr id="5" name="Picture 4">
+            <a:extLst>
+              <a:ext uri="{FF2B5EF4-FFF2-40B4-BE49-F238E27FC236}">
+                <a16:creationId xmlns:a16="http://schemas.microsoft.com/office/drawing/2014/main" id="{BE0700CB-229A-48C4-AC1D-EC182478ECFC}"/>
+              </a:ext>
+            </a:extLst>
+          </p:cNvPr>
+          <p:cNvPicPr>
+            <a:picLocks noChangeAspect="1"/>
+          </p:cNvPicPr>
+          <p:nvPr/>
+        </p:nvPicPr>
+        <p:blipFill>
+          <a:blip r:embed="rId3"/>
+          <a:stretch>
+            <a:fillRect/>
+          </a:stretch>
+        </p:blipFill>
+        <p:spPr>
+          <a:xfrm>
+            <a:off x="183856" y="4458917"/>
+            <a:ext cx="8531192" cy="1863344"/>
+          </a:xfrm>
+          <a:prstGeom prst="rect">
+            <a:avLst/>
+          </a:prstGeom>
+        </p:spPr>
+      </p:pic>
+      <p:pic>
+        <p:nvPicPr>
+          <p:cNvPr id="6" name="Picture 5">
+            <a:extLst>
+              <a:ext uri="{FF2B5EF4-FFF2-40B4-BE49-F238E27FC236}">
+                <a16:creationId xmlns:a16="http://schemas.microsoft.com/office/drawing/2014/main" id="{8ED7A199-E7E3-47DA-A5BB-B410FAA8BA4B}"/>
+              </a:ext>
+            </a:extLst>
+          </p:cNvPr>
+          <p:cNvPicPr>
+            <a:picLocks noChangeAspect="1"/>
+          </p:cNvPicPr>
+          <p:nvPr/>
+        </p:nvPicPr>
+        <p:blipFill>
+          <a:blip r:embed="rId4"/>
+          <a:stretch>
+            <a:fillRect/>
+          </a:stretch>
+        </p:blipFill>
+        <p:spPr>
+          <a:xfrm>
+            <a:off x="5350378" y="905071"/>
+            <a:ext cx="2982917" cy="3000060"/>
+          </a:xfrm>
+          <a:prstGeom prst="rect">
+            <a:avLst/>
+          </a:prstGeom>
+        </p:spPr>
+      </p:pic>
+      <p:sp>
+        <p:nvSpPr>
+          <p:cNvPr id="7" name="TextBox 6">
+            <a:extLst>
+              <a:ext uri="{FF2B5EF4-FFF2-40B4-BE49-F238E27FC236}">
+                <a16:creationId xmlns:a16="http://schemas.microsoft.com/office/drawing/2014/main" id="{06E55564-11D0-4CCF-A695-F4A5F4EF1319}"/>
+              </a:ext>
+            </a:extLst>
+          </p:cNvPr>
+          <p:cNvSpPr txBox="1"/>
+          <p:nvPr/>
+        </p:nvSpPr>
+        <p:spPr>
+          <a:xfrm>
+            <a:off x="5814218" y="3952343"/>
+            <a:ext cx="2055235" cy="369332"/>
+          </a:xfrm>
+          <a:prstGeom prst="rect">
+            <a:avLst/>
+          </a:prstGeom>
+          <a:noFill/>
+        </p:spPr>
+        <p:txBody>
+          <a:bodyPr wrap="square" rtlCol="0">
+            <a:spAutoFit/>
+          </a:bodyPr>
+          <a:lstStyle/>
+          <a:p>
+            <a:pPr algn="ctr"/>
+            <a:r>
+              <a:rPr lang="en-US" dirty="0"/>
+              <a:t>Wu et al. 2019</a:t>
+            </a:r>
+          </a:p>
+        </p:txBody>
+      </p:sp>
+      <p:sp>
+        <p:nvSpPr>
+          <p:cNvPr id="8" name="TextBox 7">
+            <a:extLst>
+              <a:ext uri="{FF2B5EF4-FFF2-40B4-BE49-F238E27FC236}">
+                <a16:creationId xmlns:a16="http://schemas.microsoft.com/office/drawing/2014/main" id="{77FF801F-9C21-4E14-9225-89E0E108B83D}"/>
+              </a:ext>
+            </a:extLst>
+          </p:cNvPr>
+          <p:cNvSpPr txBox="1"/>
+          <p:nvPr/>
+        </p:nvSpPr>
+        <p:spPr>
+          <a:xfrm>
+            <a:off x="3674238" y="6289169"/>
+            <a:ext cx="2055235" cy="369332"/>
+          </a:xfrm>
+          <a:prstGeom prst="rect">
+            <a:avLst/>
+          </a:prstGeom>
+          <a:noFill/>
+        </p:spPr>
+        <p:txBody>
+          <a:bodyPr wrap="square" rtlCol="0">
+            <a:spAutoFit/>
+          </a:bodyPr>
+          <a:lstStyle/>
+          <a:p>
+            <a:r>
+              <a:rPr lang="en-US" dirty="0"/>
+              <a:t>Wheeler et al. 2020</a:t>
             </a:r>
           </a:p>
         </p:txBody>
@@ -9585,7 +10254,7 @@
           <a:p>
             <a:r>
               <a:rPr lang="en-US" dirty="0"/>
-              <a:t>Why is this work relevant?</a:t>
+              <a:t>Computational Parallelization</a:t>
             </a:r>
           </a:p>
         </p:txBody>
@@ -9606,8 +10275,8 @@
         </p:nvSpPr>
         <p:spPr>
           <a:xfrm>
-            <a:off x="457201" y="905070"/>
-            <a:ext cx="8229602" cy="5486399"/>
+            <a:off x="457201" y="905071"/>
+            <a:ext cx="8206032" cy="1470484"/>
           </a:xfrm>
           <a:prstGeom prst="rect">
             <a:avLst/>
@@ -9754,20 +10423,198 @@
           </a:lstStyle>
           <a:p>
             <a:r>
+              <a:rPr lang="en-US" b="1" dirty="0"/>
+              <a:t>Parallelization</a:t>
+            </a:r>
+            <a:r>
               <a:rPr lang="en-US" dirty="0"/>
-              <a:t>Tangible benefits</a:t>
+              <a:t> of the computational framework</a:t>
             </a:r>
           </a:p>
           <a:p>
             <a:pPr lvl="1"/>
-            <a:endParaRPr lang="en-US" dirty="0"/>
+            <a:r>
+              <a:rPr lang="en-US" dirty="0"/>
+              <a:t>Reduce computational cost due to required sufficiently refined mesh for phase field variable</a:t>
+            </a:r>
+          </a:p>
+          <a:p>
+            <a:pPr lvl="1"/>
+            <a:r>
+              <a:rPr lang="en-US" dirty="0"/>
+              <a:t>Employ existing finite element libraries to implement fracture </a:t>
+            </a:r>
+          </a:p>
+        </p:txBody>
+      </p:sp>
+      <p:pic>
+        <p:nvPicPr>
+          <p:cNvPr id="4" name="Picture 3">
+            <a:extLst>
+              <a:ext uri="{FF2B5EF4-FFF2-40B4-BE49-F238E27FC236}">
+                <a16:creationId xmlns:a16="http://schemas.microsoft.com/office/drawing/2014/main" id="{B8032E1B-5333-4052-AA04-709DD6CFB2EF}"/>
+              </a:ext>
+            </a:extLst>
+          </p:cNvPr>
+          <p:cNvPicPr>
+            <a:picLocks noChangeAspect="1"/>
+          </p:cNvPicPr>
+          <p:nvPr/>
+        </p:nvPicPr>
+        <p:blipFill>
+          <a:blip r:embed="rId3"/>
+          <a:stretch>
+            <a:fillRect/>
+          </a:stretch>
+        </p:blipFill>
+        <p:spPr>
+          <a:xfrm>
+            <a:off x="384898" y="2940625"/>
+            <a:ext cx="4432198" cy="3514810"/>
+          </a:xfrm>
+          <a:prstGeom prst="rect">
+            <a:avLst/>
+          </a:prstGeom>
+        </p:spPr>
+      </p:pic>
+      <p:pic>
+        <p:nvPicPr>
+          <p:cNvPr id="7" name="Picture 6">
+            <a:extLst>
+              <a:ext uri="{FF2B5EF4-FFF2-40B4-BE49-F238E27FC236}">
+                <a16:creationId xmlns:a16="http://schemas.microsoft.com/office/drawing/2014/main" id="{4C89890F-7E02-495C-AD06-5EB318503862}"/>
+              </a:ext>
+            </a:extLst>
+          </p:cNvPr>
+          <p:cNvPicPr>
+            <a:picLocks noChangeAspect="1"/>
+          </p:cNvPicPr>
+          <p:nvPr/>
+        </p:nvPicPr>
+        <p:blipFill>
+          <a:blip r:embed="rId4"/>
+          <a:stretch>
+            <a:fillRect/>
+          </a:stretch>
+        </p:blipFill>
+        <p:spPr>
+          <a:xfrm>
+            <a:off x="6012281" y="2375555"/>
+            <a:ext cx="2159088" cy="2152803"/>
+          </a:xfrm>
+          <a:prstGeom prst="rect">
+            <a:avLst/>
+          </a:prstGeom>
+        </p:spPr>
+      </p:pic>
+      <p:pic>
+        <p:nvPicPr>
+          <p:cNvPr id="8" name="Picture 7">
+            <a:extLst>
+              <a:ext uri="{FF2B5EF4-FFF2-40B4-BE49-F238E27FC236}">
+                <a16:creationId xmlns:a16="http://schemas.microsoft.com/office/drawing/2014/main" id="{F792FC4E-0A33-4E22-A71A-58D43F9DE236}"/>
+              </a:ext>
+            </a:extLst>
+          </p:cNvPr>
+          <p:cNvPicPr>
+            <a:picLocks noChangeAspect="1"/>
+          </p:cNvPicPr>
+          <p:nvPr/>
+        </p:nvPicPr>
+        <p:blipFill>
+          <a:blip r:embed="rId5"/>
+          <a:stretch>
+            <a:fillRect/>
+          </a:stretch>
+        </p:blipFill>
+        <p:spPr>
+          <a:xfrm>
+            <a:off x="5424549" y="4587534"/>
+            <a:ext cx="3334553" cy="2093073"/>
+          </a:xfrm>
+          <a:prstGeom prst="rect">
+            <a:avLst/>
+          </a:prstGeom>
+        </p:spPr>
+      </p:pic>
+      <p:sp>
+        <p:nvSpPr>
+          <p:cNvPr id="9" name="TextBox 8">
+            <a:extLst>
+              <a:ext uri="{FF2B5EF4-FFF2-40B4-BE49-F238E27FC236}">
+                <a16:creationId xmlns:a16="http://schemas.microsoft.com/office/drawing/2014/main" id="{D0272659-C521-4BDE-BCE1-60008B53864C}"/>
+              </a:ext>
+            </a:extLst>
+          </p:cNvPr>
+          <p:cNvSpPr txBox="1"/>
+          <p:nvPr/>
+        </p:nvSpPr>
+        <p:spPr>
+          <a:xfrm>
+            <a:off x="1411805" y="6455435"/>
+            <a:ext cx="2055235" cy="369332"/>
+          </a:xfrm>
+          <a:prstGeom prst="rect">
+            <a:avLst/>
+          </a:prstGeom>
+          <a:noFill/>
+        </p:spPr>
+        <p:txBody>
+          <a:bodyPr wrap="square" rtlCol="0">
+            <a:spAutoFit/>
+          </a:bodyPr>
+          <a:lstStyle/>
+          <a:p>
+            <a:r>
+              <a:rPr lang="en-US" dirty="0" err="1"/>
+              <a:t>Poromechanics</a:t>
+            </a:r>
+            <a:r>
+              <a:rPr lang="en-US" dirty="0"/>
+              <a:t> Lab</a:t>
+            </a:r>
+          </a:p>
+        </p:txBody>
+      </p:sp>
+      <p:sp>
+        <p:nvSpPr>
+          <p:cNvPr id="10" name="TextBox 9">
+            <a:extLst>
+              <a:ext uri="{FF2B5EF4-FFF2-40B4-BE49-F238E27FC236}">
+                <a16:creationId xmlns:a16="http://schemas.microsoft.com/office/drawing/2014/main" id="{C73678CE-8E0C-40FC-B80A-465CC8708849}"/>
+              </a:ext>
+            </a:extLst>
+          </p:cNvPr>
+          <p:cNvSpPr txBox="1"/>
+          <p:nvPr/>
+        </p:nvSpPr>
+        <p:spPr>
+          <a:xfrm>
+            <a:off x="5424549" y="6370451"/>
+            <a:ext cx="2055235" cy="369332"/>
+          </a:xfrm>
+          <a:prstGeom prst="rect">
+            <a:avLst/>
+          </a:prstGeom>
+          <a:noFill/>
+        </p:spPr>
+        <p:txBody>
+          <a:bodyPr wrap="square" rtlCol="0">
+            <a:spAutoFit/>
+          </a:bodyPr>
+          <a:lstStyle/>
+          <a:p>
+            <a:r>
+              <a:rPr lang="en-US" dirty="0"/>
+              <a:t>Zhu et al. 2014</a:t>
+            </a:r>
           </a:p>
         </p:txBody>
       </p:sp>
     </p:spTree>
     <p:extLst>
       <p:ext uri="{BB962C8B-B14F-4D97-AF65-F5344CB8AC3E}">
-        <p14:creationId xmlns:p14="http://schemas.microsoft.com/office/powerpoint/2010/main" val="279551938"/>
+        <p14:creationId xmlns:p14="http://schemas.microsoft.com/office/powerpoint/2010/main" val="2469769206"/>
       </p:ext>
     </p:extLst>
   </p:cSld>
@@ -9778,7 +10625,7 @@
 </file>
 
 <file path=ppt/slides/slide5.xml><?xml version="1.0" encoding="utf-8"?>
-<p:sld xmlns:a="http://schemas.openxmlformats.org/drawingml/2006/main" xmlns:r="http://schemas.openxmlformats.org/officeDocument/2006/relationships" xmlns:p="http://schemas.openxmlformats.org/presentationml/2006/main">
+<p:sld xmlns:a="http://schemas.openxmlformats.org/drawingml/2006/main" xmlns:r="http://schemas.openxmlformats.org/officeDocument/2006/relationships" xmlns:p="http://schemas.openxmlformats.org/presentationml/2006/main" show="0">
   <p:cSld>
     <p:spTree>
       <p:nvGrpSpPr>
@@ -9817,14 +10664,12 @@
           </a:xfrm>
         </p:spPr>
         <p:txBody>
-          <a:bodyPr>
-            <a:normAutofit fontScale="90000"/>
-          </a:bodyPr>
+          <a:bodyPr/>
           <a:lstStyle/>
           <a:p>
             <a:r>
               <a:rPr lang="en-US" dirty="0"/>
-              <a:t>Why hasn’t this been done already?</a:t>
+              <a:t>Why is this work relevant?</a:t>
             </a:r>
           </a:p>
         </p:txBody>
@@ -9994,13 +10839,8 @@
           <a:p>
             <a:r>
               <a:rPr lang="en-US" dirty="0"/>
-              <a:t>Technical problems that make that goal difficult to </a:t>
-            </a:r>
-            <a:r>
-              <a:rPr lang="en-US" dirty="0" err="1"/>
-              <a:t>achienve</a:t>
-            </a:r>
-            <a:endParaRPr lang="en-US" dirty="0"/>
+              <a:t>Tangible benefits</a:t>
+            </a:r>
           </a:p>
           <a:p>
             <a:pPr lvl="1"/>
@@ -10011,7 +10851,7 @@
     </p:spTree>
     <p:extLst>
       <p:ext uri="{BB962C8B-B14F-4D97-AF65-F5344CB8AC3E}">
-        <p14:creationId xmlns:p14="http://schemas.microsoft.com/office/powerpoint/2010/main" val="230914265"/>
+        <p14:creationId xmlns:p14="http://schemas.microsoft.com/office/powerpoint/2010/main" val="279551938"/>
       </p:ext>
     </p:extLst>
   </p:cSld>
@@ -10022,7 +10862,7 @@
 </file>
 
 <file path=ppt/slides/slide6.xml><?xml version="1.0" encoding="utf-8"?>
-<p:sld xmlns:a="http://schemas.openxmlformats.org/drawingml/2006/main" xmlns:r="http://schemas.openxmlformats.org/officeDocument/2006/relationships" xmlns:p="http://schemas.openxmlformats.org/presentationml/2006/main">
+<p:sld xmlns:a="http://schemas.openxmlformats.org/drawingml/2006/main" xmlns:r="http://schemas.openxmlformats.org/officeDocument/2006/relationships" xmlns:p="http://schemas.openxmlformats.org/presentationml/2006/main" show="0">
   <p:cSld>
     <p:spTree>
       <p:nvGrpSpPr>
@@ -10068,14 +10908,7 @@
           <a:p>
             <a:r>
               <a:rPr lang="en-US" dirty="0"/>
-              <a:t>What is your work focusing on?</a:t>
-            </a:r>
-            <a:br>
-              <a:rPr lang="en-US" dirty="0"/>
-            </a:br>
-            <a:r>
-              <a:rPr lang="en-US" dirty="0"/>
-              <a:t>Main elements of my approach</a:t>
+              <a:t>Why hasn’t this been done already?</a:t>
             </a:r>
           </a:p>
         </p:txBody>
@@ -10245,8 +11078,13 @@
           <a:p>
             <a:r>
               <a:rPr lang="en-US" dirty="0"/>
-              <a:t>Content</a:t>
-            </a:r>
+              <a:t>Technical problems that make that goal difficult to </a:t>
+            </a:r>
+            <a:r>
+              <a:rPr lang="en-US" dirty="0" err="1"/>
+              <a:t>achienve</a:t>
+            </a:r>
+            <a:endParaRPr lang="en-US" dirty="0"/>
           </a:p>
           <a:p>
             <a:pPr lvl="1"/>
@@ -10257,7 +11095,7 @@
     </p:spTree>
     <p:extLst>
       <p:ext uri="{BB962C8B-B14F-4D97-AF65-F5344CB8AC3E}">
-        <p14:creationId xmlns:p14="http://schemas.microsoft.com/office/powerpoint/2010/main" val="1171910171"/>
+        <p14:creationId xmlns:p14="http://schemas.microsoft.com/office/powerpoint/2010/main" val="230914265"/>
       </p:ext>
     </p:extLst>
   </p:cSld>
@@ -10268,7 +11106,7 @@
 </file>
 
 <file path=ppt/slides/slide7.xml><?xml version="1.0" encoding="utf-8"?>
-<p:sld xmlns:a="http://schemas.openxmlformats.org/drawingml/2006/main" xmlns:r="http://schemas.openxmlformats.org/officeDocument/2006/relationships" xmlns:p="http://schemas.openxmlformats.org/presentationml/2006/main">
+<p:sld xmlns:a="http://schemas.openxmlformats.org/drawingml/2006/main" xmlns:r="http://schemas.openxmlformats.org/officeDocument/2006/relationships" xmlns:p="http://schemas.openxmlformats.org/presentationml/2006/main" show="0">
   <p:cSld>
     <p:spTree>
       <p:nvGrpSpPr>
@@ -10314,14 +11152,14 @@
           <a:p>
             <a:r>
               <a:rPr lang="en-US" dirty="0"/>
-              <a:t>What makes you think you can do it?</a:t>
+              <a:t>What is your work focusing on?</a:t>
             </a:r>
             <a:br>
               <a:rPr lang="en-US" dirty="0"/>
             </a:br>
             <a:r>
               <a:rPr lang="en-US" dirty="0"/>
-              <a:t>How do you handle the challenges?</a:t>
+              <a:t>Main elements of my approach</a:t>
             </a:r>
           </a:p>
         </p:txBody>
@@ -10491,7 +11329,7 @@
           <a:p>
             <a:r>
               <a:rPr lang="en-US" dirty="0"/>
-              <a:t>How does your approach handle technical problems that have prevented progress in the past?</a:t>
+              <a:t>Content</a:t>
             </a:r>
           </a:p>
           <a:p>
@@ -10503,7 +11341,7 @@
     </p:spTree>
     <p:extLst>
       <p:ext uri="{BB962C8B-B14F-4D97-AF65-F5344CB8AC3E}">
-        <p14:creationId xmlns:p14="http://schemas.microsoft.com/office/powerpoint/2010/main" val="2421321997"/>
+        <p14:creationId xmlns:p14="http://schemas.microsoft.com/office/powerpoint/2010/main" val="1171910171"/>
       </p:ext>
     </p:extLst>
   </p:cSld>
@@ -10514,7 +11352,7 @@
 </file>
 
 <file path=ppt/slides/slide8.xml><?xml version="1.0" encoding="utf-8"?>
-<p:sld xmlns:a="http://schemas.openxmlformats.org/drawingml/2006/main" xmlns:r="http://schemas.openxmlformats.org/officeDocument/2006/relationships" xmlns:p="http://schemas.openxmlformats.org/presentationml/2006/main">
+<p:sld xmlns:a="http://schemas.openxmlformats.org/drawingml/2006/main" xmlns:r="http://schemas.openxmlformats.org/officeDocument/2006/relationships" xmlns:p="http://schemas.openxmlformats.org/presentationml/2006/main" show="0">
   <p:cSld>
     <p:spTree>
       <p:nvGrpSpPr>
@@ -10553,12 +11391,21 @@
           </a:xfrm>
         </p:spPr>
         <p:txBody>
-          <a:bodyPr/>
+          <a:bodyPr>
+            <a:normAutofit fontScale="90000"/>
+          </a:bodyPr>
           <a:lstStyle/>
           <a:p>
             <a:r>
               <a:rPr lang="en-US" dirty="0"/>
-              <a:t>What are the novelty?</a:t>
+              <a:t>What makes you think you can do it?</a:t>
+            </a:r>
+            <a:br>
+              <a:rPr lang="en-US" dirty="0"/>
+            </a:br>
+            <a:r>
+              <a:rPr lang="en-US" dirty="0"/>
+              <a:t>How do you handle the challenges?</a:t>
             </a:r>
           </a:p>
         </p:txBody>
@@ -10728,7 +11575,7 @@
           <a:p>
             <a:r>
               <a:rPr lang="en-US" dirty="0"/>
-              <a:t>What are the unique, novel, and critical technologies developed in your approach</a:t>
+              <a:t>How does your approach handle technical problems that have prevented progress in the past?</a:t>
             </a:r>
           </a:p>
           <a:p>
@@ -10740,7 +11587,7 @@
     </p:spTree>
     <p:extLst>
       <p:ext uri="{BB962C8B-B14F-4D97-AF65-F5344CB8AC3E}">
-        <p14:creationId xmlns:p14="http://schemas.microsoft.com/office/powerpoint/2010/main" val="3135006421"/>
+        <p14:creationId xmlns:p14="http://schemas.microsoft.com/office/powerpoint/2010/main" val="2421321997"/>
       </p:ext>
     </p:extLst>
   </p:cSld>
@@ -10751,7 +11598,7 @@
 </file>
 
 <file path=ppt/slides/slide9.xml><?xml version="1.0" encoding="utf-8"?>
-<p:sld xmlns:a="http://schemas.openxmlformats.org/drawingml/2006/main" xmlns:r="http://schemas.openxmlformats.org/officeDocument/2006/relationships" xmlns:p="http://schemas.openxmlformats.org/presentationml/2006/main">
+<p:sld xmlns:a="http://schemas.openxmlformats.org/drawingml/2006/main" xmlns:r="http://schemas.openxmlformats.org/officeDocument/2006/relationships" xmlns:p="http://schemas.openxmlformats.org/presentationml/2006/main" show="0">
   <p:cSld>
     <p:spTree>
       <p:nvGrpSpPr>
@@ -10790,14 +11637,12 @@
           </a:xfrm>
         </p:spPr>
         <p:txBody>
-          <a:bodyPr>
-            <a:normAutofit fontScale="90000"/>
-          </a:bodyPr>
+          <a:bodyPr/>
           <a:lstStyle/>
           <a:p>
             <a:r>
               <a:rPr lang="en-US" dirty="0"/>
-              <a:t>What are other applications of your work?</a:t>
+              <a:t>What are the novelty?</a:t>
             </a:r>
           </a:p>
         </p:txBody>
@@ -10967,7 +11812,7 @@
           <a:p>
             <a:r>
               <a:rPr lang="en-US" dirty="0"/>
-              <a:t>What are the potential spin-off</a:t>
+              <a:t>What are the unique, novel, and critical technologies developed in your approach</a:t>
             </a:r>
           </a:p>
           <a:p>
@@ -10979,7 +11824,7 @@
     </p:spTree>
     <p:extLst>
       <p:ext uri="{BB962C8B-B14F-4D97-AF65-F5344CB8AC3E}">
-        <p14:creationId xmlns:p14="http://schemas.microsoft.com/office/powerpoint/2010/main" val="3629745302"/>
+        <p14:creationId xmlns:p14="http://schemas.microsoft.com/office/powerpoint/2010/main" val="3135006421"/>
       </p:ext>
     </p:extLst>
   </p:cSld>
